--- a/Seminarski Rad 2/Milan Stankovic 1407 - Sistemi za upravljanje bazama podataka.pptx
+++ b/Seminarski Rad 2/Milan Stankovic 1407 - Sistemi za upravljanje bazama podataka.pptx
@@ -212,7 +212,7 @@
           <a:p>
             <a:fld id="{4B4576B5-3D64-4131-818B-989C7B34FBD2}" type="datetimeFigureOut">
               <a:rPr lang="en-US" smtClean="0"/>
-              <a:t>27/5/2022</a:t>
+              <a:t>28/5/2022</a:t>
             </a:fld>
             <a:endParaRPr lang="en-US"/>
           </a:p>
@@ -710,7 +710,7 @@
           <a:p>
             <a:fld id="{39ACE046-8B93-441D-9C0D-5135BE4E9CEE}" type="datetime1">
               <a:rPr lang="en-US" smtClean="0"/>
-              <a:t>27/5/2022</a:t>
+              <a:t>28/5/2022</a:t>
             </a:fld>
             <a:endParaRPr lang="en-US"/>
           </a:p>
@@ -908,7 +908,7 @@
           <a:p>
             <a:fld id="{EB109436-8FFD-46E1-B124-CCEDA1A2A2B8}" type="datetime1">
               <a:rPr lang="en-US" smtClean="0"/>
-              <a:t>27/5/2022</a:t>
+              <a:t>28/5/2022</a:t>
             </a:fld>
             <a:endParaRPr lang="en-US"/>
           </a:p>
@@ -1116,7 +1116,7 @@
           <a:p>
             <a:fld id="{F409B25A-E170-450E-AF11-58D2D4177B39}" type="datetime1">
               <a:rPr lang="en-US" smtClean="0"/>
-              <a:t>27/5/2022</a:t>
+              <a:t>28/5/2022</a:t>
             </a:fld>
             <a:endParaRPr lang="en-US"/>
           </a:p>
@@ -1314,7 +1314,7 @@
           <a:p>
             <a:fld id="{766F608B-E934-418C-B73D-BC7A4C180616}" type="datetime1">
               <a:rPr lang="en-US" smtClean="0"/>
-              <a:t>27/5/2022</a:t>
+              <a:t>28/5/2022</a:t>
             </a:fld>
             <a:endParaRPr lang="en-US"/>
           </a:p>
@@ -1589,7 +1589,7 @@
           <a:p>
             <a:fld id="{5C15F450-4E08-4610-B3AF-4C23ACE08559}" type="datetime1">
               <a:rPr lang="en-US" smtClean="0"/>
-              <a:t>27/5/2022</a:t>
+              <a:t>28/5/2022</a:t>
             </a:fld>
             <a:endParaRPr lang="en-US"/>
           </a:p>
@@ -1854,7 +1854,7 @@
           <a:p>
             <a:fld id="{808A664D-888C-485A-A757-B72C67D65CC8}" type="datetime1">
               <a:rPr lang="en-US" smtClean="0"/>
-              <a:t>27/5/2022</a:t>
+              <a:t>28/5/2022</a:t>
             </a:fld>
             <a:endParaRPr lang="en-US"/>
           </a:p>
@@ -2266,7 +2266,7 @@
           <a:p>
             <a:fld id="{2F729D86-1BB4-471E-B932-563519751176}" type="datetime1">
               <a:rPr lang="en-US" smtClean="0"/>
-              <a:t>27/5/2022</a:t>
+              <a:t>28/5/2022</a:t>
             </a:fld>
             <a:endParaRPr lang="en-US"/>
           </a:p>
@@ -2407,7 +2407,7 @@
           <a:p>
             <a:fld id="{B8F3DF56-1326-461F-9737-F5B291C187FF}" type="datetime1">
               <a:rPr lang="en-US" smtClean="0"/>
-              <a:t>27/5/2022</a:t>
+              <a:t>28/5/2022</a:t>
             </a:fld>
             <a:endParaRPr lang="en-US"/>
           </a:p>
@@ -2520,7 +2520,7 @@
           <a:p>
             <a:fld id="{72551E60-D955-478B-B995-9969A08C0037}" type="datetime1">
               <a:rPr lang="en-US" smtClean="0"/>
-              <a:t>27/5/2022</a:t>
+              <a:t>28/5/2022</a:t>
             </a:fld>
             <a:endParaRPr lang="en-US"/>
           </a:p>
@@ -2831,7 +2831,7 @@
           <a:p>
             <a:fld id="{1B96B0BA-00CC-4562-A73D-BDF6C94DE02D}" type="datetime1">
               <a:rPr lang="en-US" smtClean="0"/>
-              <a:t>27/5/2022</a:t>
+              <a:t>28/5/2022</a:t>
             </a:fld>
             <a:endParaRPr lang="en-US"/>
           </a:p>
@@ -3119,7 +3119,7 @@
           <a:p>
             <a:fld id="{E458EEE6-7F6E-41A7-8E54-1D9F59091A45}" type="datetime1">
               <a:rPr lang="en-US" smtClean="0"/>
-              <a:t>27/5/2022</a:t>
+              <a:t>28/5/2022</a:t>
             </a:fld>
             <a:endParaRPr lang="en-US"/>
           </a:p>
@@ -3363,7 +3363,7 @@
           <a:p>
             <a:fld id="{24094E82-6905-43C1-9948-02DD354A7AC5}" type="datetime1">
               <a:rPr lang="en-US" smtClean="0"/>
-              <a:t>27/5/2022</a:t>
+              <a:t>28/5/2022</a:t>
             </a:fld>
             <a:endParaRPr lang="en-US"/>
           </a:p>
@@ -6130,7 +6130,7 @@
         <p:spPr>
           <a:xfrm>
             <a:off x="1131706" y="1654955"/>
-            <a:ext cx="10222094" cy="646331"/>
+            <a:ext cx="10222094" cy="615553"/>
           </a:xfrm>
           <a:prstGeom prst="rect">
             <a:avLst/>
@@ -6157,7 +6157,7 @@
           </a:p>
           <a:p>
             <a:r>
-              <a:rPr lang="sr-Latn-RS" b="1" dirty="0">
+              <a:rPr lang="sr-Latn-RS" sz="1600" b="1" dirty="0">
                 <a:solidFill>
                   <a:srgbClr val="0000FF"/>
                 </a:solidFill>
@@ -6166,13 +6166,13 @@
               <a:t>CREATE</a:t>
             </a:r>
             <a:r>
-              <a:rPr lang="sr-Latn-RS" b="1" dirty="0">
+              <a:rPr lang="sr-Latn-RS" sz="1600" b="1" dirty="0">
                 <a:latin typeface="Consolas" panose="020B0609020204030204" pitchFamily="49" charset="0"/>
               </a:rPr>
               <a:t> TABLESPACE ‘tbs1’ </a:t>
             </a:r>
             <a:r>
-              <a:rPr lang="sr-Latn-RS" b="1" dirty="0">
+              <a:rPr lang="sr-Latn-RS" sz="1600" b="1" dirty="0">
                 <a:solidFill>
                   <a:srgbClr val="0000FF"/>
                 </a:solidFill>
@@ -6181,13 +6181,13 @@
               <a:t>ADD</a:t>
             </a:r>
             <a:r>
-              <a:rPr lang="sr-Latn-RS" b="1" dirty="0">
+              <a:rPr lang="sr-Latn-RS" sz="1600" b="1" dirty="0">
                 <a:latin typeface="Consolas" panose="020B0609020204030204" pitchFamily="49" charset="0"/>
               </a:rPr>
               <a:t> DATAFILE ‘tbs.ibd’ </a:t>
             </a:r>
             <a:r>
-              <a:rPr lang="sr-Latn-RS" b="1" dirty="0">
+              <a:rPr lang="sr-Latn-RS" sz="1600" b="1" dirty="0">
                 <a:solidFill>
                   <a:srgbClr val="0000FF"/>
                 </a:solidFill>
@@ -6196,12 +6196,12 @@
               <a:t>ENCRYPTION</a:t>
             </a:r>
             <a:r>
-              <a:rPr lang="sr-Latn-RS" b="1" dirty="0">
+              <a:rPr lang="sr-Latn-RS" sz="1600" b="1" dirty="0">
                 <a:latin typeface="Consolas" panose="020B0609020204030204" pitchFamily="49" charset="0"/>
               </a:rPr>
               <a:t> = ‘Y’ ENGINE=InnoDB;</a:t>
             </a:r>
-            <a:endParaRPr lang="sr-Latn-RS" dirty="0">
+            <a:endParaRPr lang="sr-Latn-RS" sz="1600" dirty="0">
               <a:latin typeface="Consolas" panose="020B0609020204030204" pitchFamily="49" charset="0"/>
             </a:endParaRPr>
           </a:p>
@@ -6222,7 +6222,7 @@
         <p:spPr>
           <a:xfrm>
             <a:off x="1131706" y="2562895"/>
-            <a:ext cx="9555337" cy="646331"/>
+            <a:ext cx="9555337" cy="615553"/>
           </a:xfrm>
           <a:prstGeom prst="rect">
             <a:avLst/>
@@ -6249,7 +6249,7 @@
           </a:p>
           <a:p>
             <a:r>
-              <a:rPr lang="en-US" b="1" dirty="0">
+              <a:rPr lang="en-US" sz="1600" b="1" dirty="0">
                 <a:solidFill>
                   <a:srgbClr val="0000FF"/>
                 </a:solidFill>
@@ -6258,13 +6258,13 @@
               <a:t>ALTER</a:t>
             </a:r>
             <a:r>
-              <a:rPr lang="en-US" b="1" dirty="0">
+              <a:rPr lang="en-US" sz="1600" b="1" dirty="0">
                 <a:latin typeface="Consolas" panose="020B0609020204030204" pitchFamily="49" charset="0"/>
               </a:rPr>
               <a:t> </a:t>
             </a:r>
             <a:r>
-              <a:rPr lang="en-US" b="1" dirty="0">
+              <a:rPr lang="en-US" sz="1600" b="1" dirty="0">
                 <a:solidFill>
                   <a:srgbClr val="0000FF"/>
                 </a:solidFill>
@@ -6273,13 +6273,13 @@
               <a:t>TABLESPACE</a:t>
             </a:r>
             <a:r>
-              <a:rPr lang="en-US" b="1" dirty="0">
+              <a:rPr lang="en-US" sz="1600" b="1" dirty="0">
                 <a:latin typeface="Consolas" panose="020B0609020204030204" pitchFamily="49" charset="0"/>
               </a:rPr>
               <a:t> tbs </a:t>
             </a:r>
             <a:r>
-              <a:rPr lang="en-US" b="1" dirty="0">
+              <a:rPr lang="en-US" sz="1600" b="1" dirty="0">
                 <a:solidFill>
                   <a:srgbClr val="0000FF"/>
                 </a:solidFill>
@@ -6288,12 +6288,12 @@
               <a:t>ENCRYPTION</a:t>
             </a:r>
             <a:r>
-              <a:rPr lang="en-US" b="1" dirty="0">
+              <a:rPr lang="en-US" sz="1600" b="1" dirty="0">
                 <a:latin typeface="Consolas" panose="020B0609020204030204" pitchFamily="49" charset="0"/>
               </a:rPr>
               <a:t> = ‘Y’;</a:t>
             </a:r>
-            <a:endParaRPr lang="en-US" dirty="0">
+            <a:endParaRPr lang="en-US" sz="1600" dirty="0">
               <a:latin typeface="Consolas" panose="020B0609020204030204" pitchFamily="49" charset="0"/>
             </a:endParaRPr>
           </a:p>
@@ -6314,7 +6314,7 @@
         <p:spPr>
           <a:xfrm>
             <a:off x="1131705" y="3470835"/>
-            <a:ext cx="9555337" cy="646331"/>
+            <a:ext cx="9555337" cy="615553"/>
           </a:xfrm>
           <a:prstGeom prst="rect">
             <a:avLst/>
@@ -6341,7 +6341,7 @@
           </a:p>
           <a:p>
             <a:r>
-              <a:rPr lang="en-US" b="1" dirty="0">
+              <a:rPr lang="en-US" sz="1600" b="1" dirty="0">
                 <a:solidFill>
                   <a:srgbClr val="0000FF"/>
                 </a:solidFill>
@@ -6350,13 +6350,13 @@
               <a:t>ALTER</a:t>
             </a:r>
             <a:r>
-              <a:rPr lang="en-US" b="1" dirty="0">
+              <a:rPr lang="en-US" sz="1600" b="1" dirty="0">
                 <a:latin typeface="Consolas" panose="020B0609020204030204" pitchFamily="49" charset="0"/>
               </a:rPr>
               <a:t> </a:t>
             </a:r>
             <a:r>
-              <a:rPr lang="en-US" b="1" dirty="0">
+              <a:rPr lang="en-US" sz="1600" b="1" dirty="0">
                 <a:solidFill>
                   <a:srgbClr val="0000FF"/>
                 </a:solidFill>
@@ -6365,25 +6365,25 @@
               <a:t>TABLESPACE</a:t>
             </a:r>
             <a:r>
-              <a:rPr lang="en-US" b="1" dirty="0">
+              <a:rPr lang="en-US" sz="1600" b="1" dirty="0">
                 <a:latin typeface="Consolas" panose="020B0609020204030204" pitchFamily="49" charset="0"/>
               </a:rPr>
               <a:t> </a:t>
             </a:r>
             <a:r>
-              <a:rPr lang="sr-Latn-RS" b="1" dirty="0">
+              <a:rPr lang="sr-Latn-RS" sz="1600" b="1" dirty="0">
                 <a:latin typeface="Consolas" panose="020B0609020204030204" pitchFamily="49" charset="0"/>
               </a:rPr>
               <a:t>mysql</a:t>
             </a:r>
             <a:r>
-              <a:rPr lang="en-US" b="1" dirty="0">
+              <a:rPr lang="en-US" sz="1600" b="1" dirty="0">
                 <a:latin typeface="Consolas" panose="020B0609020204030204" pitchFamily="49" charset="0"/>
               </a:rPr>
               <a:t> </a:t>
             </a:r>
             <a:r>
-              <a:rPr lang="en-US" b="1" dirty="0">
+              <a:rPr lang="en-US" sz="1600" b="1" dirty="0">
                 <a:solidFill>
                   <a:srgbClr val="0000FF"/>
                 </a:solidFill>
@@ -6392,24 +6392,24 @@
               <a:t>ENCRYPTION</a:t>
             </a:r>
             <a:r>
-              <a:rPr lang="en-US" b="1" dirty="0">
+              <a:rPr lang="en-US" sz="1600" b="1" dirty="0">
                 <a:latin typeface="Consolas" panose="020B0609020204030204" pitchFamily="49" charset="0"/>
               </a:rPr>
               <a:t> = ‘</a:t>
             </a:r>
             <a:r>
-              <a:rPr lang="sr-Latn-RS" b="1" dirty="0">
+              <a:rPr lang="sr-Latn-RS" sz="1600" b="1" dirty="0">
                 <a:latin typeface="Consolas" panose="020B0609020204030204" pitchFamily="49" charset="0"/>
               </a:rPr>
               <a:t>N</a:t>
             </a:r>
             <a:r>
-              <a:rPr lang="en-US" b="1" dirty="0">
+              <a:rPr lang="en-US" sz="1600" b="1" dirty="0">
                 <a:latin typeface="Consolas" panose="020B0609020204030204" pitchFamily="49" charset="0"/>
               </a:rPr>
               <a:t>’;</a:t>
             </a:r>
-            <a:endParaRPr lang="en-US" dirty="0">
+            <a:endParaRPr lang="en-US" sz="1600" dirty="0">
               <a:latin typeface="Consolas" panose="020B0609020204030204" pitchFamily="49" charset="0"/>
             </a:endParaRPr>
           </a:p>
@@ -6430,7 +6430,7 @@
         <p:spPr>
           <a:xfrm>
             <a:off x="1131705" y="4378775"/>
-            <a:ext cx="8838205" cy="1200329"/>
+            <a:ext cx="8838205" cy="1138773"/>
           </a:xfrm>
           <a:prstGeom prst="rect">
             <a:avLst/>
@@ -6457,7 +6457,7 @@
           </a:p>
           <a:p>
             <a:r>
-              <a:rPr lang="en-US" b="1" dirty="0">
+              <a:rPr lang="en-US" sz="1600" b="1" dirty="0">
                 <a:solidFill>
                   <a:srgbClr val="0000FF"/>
                 </a:solidFill>
@@ -6466,18 +6466,18 @@
               <a:t>SELECT</a:t>
             </a:r>
             <a:r>
-              <a:rPr lang="en-US" b="1" dirty="0">
+              <a:rPr lang="en-US" sz="1600" b="1" dirty="0">
                 <a:latin typeface="Consolas" panose="020B0609020204030204" pitchFamily="49" charset="0"/>
               </a:rPr>
               <a:t> TABLESCHEMA, TABLENAME, CREATE_OPTIONS </a:t>
             </a:r>
-            <a:endParaRPr lang="sr-Latn-RS" b="1" dirty="0">
+            <a:endParaRPr lang="sr-Latn-RS" sz="1600" b="1" dirty="0">
               <a:latin typeface="Consolas" panose="020B0609020204030204" pitchFamily="49" charset="0"/>
             </a:endParaRPr>
           </a:p>
           <a:p>
             <a:r>
-              <a:rPr lang="en-US" b="1" dirty="0">
+              <a:rPr lang="en-US" sz="1600" b="1" dirty="0">
                 <a:solidFill>
                   <a:srgbClr val="0000FF"/>
                 </a:solidFill>
@@ -6486,18 +6486,18 @@
               <a:t>FROM</a:t>
             </a:r>
             <a:r>
-              <a:rPr lang="en-US" b="1" dirty="0">
+              <a:rPr lang="en-US" sz="1600" b="1" dirty="0">
                 <a:latin typeface="Consolas" panose="020B0609020204030204" pitchFamily="49" charset="0"/>
               </a:rPr>
               <a:t> INFORMATION_SCHEMA.TABLES    </a:t>
             </a:r>
-            <a:endParaRPr lang="sr-Latn-RS" b="1" dirty="0">
+            <a:endParaRPr lang="sr-Latn-RS" sz="1600" b="1" dirty="0">
               <a:latin typeface="Consolas" panose="020B0609020204030204" pitchFamily="49" charset="0"/>
             </a:endParaRPr>
           </a:p>
           <a:p>
             <a:r>
-              <a:rPr lang="en-US" b="1" dirty="0">
+              <a:rPr lang="en-US" sz="1600" b="1" dirty="0">
                 <a:solidFill>
                   <a:srgbClr val="0000FF"/>
                 </a:solidFill>
@@ -6506,13 +6506,13 @@
               <a:t>WHERE</a:t>
             </a:r>
             <a:r>
-              <a:rPr lang="en-US" b="1" dirty="0">
+              <a:rPr lang="en-US" sz="1600" b="1" dirty="0">
                 <a:latin typeface="Consolas" panose="020B0609020204030204" pitchFamily="49" charset="0"/>
               </a:rPr>
               <a:t> </a:t>
             </a:r>
             <a:r>
-              <a:rPr lang="en-US" b="1" dirty="0">
+              <a:rPr lang="en-US" sz="1600" b="1" dirty="0">
                 <a:solidFill>
                   <a:srgbClr val="0000FF"/>
                 </a:solidFill>
@@ -6521,13 +6521,13 @@
               <a:t>CREATE</a:t>
             </a:r>
             <a:r>
-              <a:rPr lang="en-US" b="1" dirty="0">
+              <a:rPr lang="en-US" sz="1600" b="1" dirty="0">
                 <a:latin typeface="Consolas" panose="020B0609020204030204" pitchFamily="49" charset="0"/>
               </a:rPr>
               <a:t> _OPTIONS </a:t>
             </a:r>
             <a:r>
-              <a:rPr lang="en-US" b="1" dirty="0">
+              <a:rPr lang="en-US" sz="1600" b="1" dirty="0">
                 <a:solidFill>
                   <a:srgbClr val="0000FF"/>
                 </a:solidFill>
@@ -6536,12 +6536,12 @@
               <a:t>LIKE</a:t>
             </a:r>
             <a:r>
-              <a:rPr lang="en-US" b="1" dirty="0">
+              <a:rPr lang="en-US" sz="1600" b="1" dirty="0">
                 <a:latin typeface="Consolas" panose="020B0609020204030204" pitchFamily="49" charset="0"/>
               </a:rPr>
               <a:t> ‘%ENCRYPTION’;</a:t>
             </a:r>
-            <a:endParaRPr lang="en-US" dirty="0">
+            <a:endParaRPr lang="en-US" sz="1600" dirty="0">
               <a:latin typeface="Consolas" panose="020B0609020204030204" pitchFamily="49" charset="0"/>
             </a:endParaRPr>
           </a:p>
@@ -6983,7 +6983,21 @@
                 <a:latin typeface="Arial" panose="020B0604020202020204" pitchFamily="34" charset="0"/>
                 <a:cs typeface="Arial" panose="020B0604020202020204" pitchFamily="34" charset="0"/>
               </a:rPr>
-              <a:t>Javljaju se jako često i relativno je lako izvršiti ih, ali i sprečiti.</a:t>
+              <a:t>Javljaju se jako često i relativno </a:t>
+            </a:r>
+            <a:r>
+              <a:rPr lang="sr-Latn-RS">
+                <a:latin typeface="Arial" panose="020B0604020202020204" pitchFamily="34" charset="0"/>
+                <a:cs typeface="Arial" panose="020B0604020202020204" pitchFamily="34" charset="0"/>
+              </a:rPr>
+              <a:t>je lako </a:t>
+            </a:r>
+            <a:r>
+              <a:rPr lang="sr-Latn-RS" dirty="0">
+                <a:latin typeface="Arial" panose="020B0604020202020204" pitchFamily="34" charset="0"/>
+                <a:cs typeface="Arial" panose="020B0604020202020204" pitchFamily="34" charset="0"/>
+              </a:rPr>
+              <a:t>izvršiti ih, ali i sprečiti.</a:t>
             </a:r>
             <a:endParaRPr lang="en-US" dirty="0">
               <a:latin typeface="Arial" panose="020B0604020202020204" pitchFamily="34" charset="0"/>
@@ -12920,8 +12934,8 @@
         </p:nvSpPr>
         <p:spPr>
           <a:xfrm>
-            <a:off x="1377515" y="3059668"/>
-            <a:ext cx="8976157" cy="1569660"/>
+            <a:off x="1377513" y="3079549"/>
+            <a:ext cx="8976157" cy="1446550"/>
           </a:xfrm>
           <a:prstGeom prst="rect">
             <a:avLst/>
@@ -12935,13 +12949,13 @@
           <a:lstStyle/>
           <a:p>
             <a:r>
-              <a:rPr lang="sr-Latn-RS" b="1" dirty="0">
+              <a:rPr lang="sr-Latn-RS" sz="1600" b="1" dirty="0">
                 <a:latin typeface="Consolas" panose="020B0609020204030204" pitchFamily="49" charset="0"/>
               </a:rPr>
               <a:t>$&gt; mysql -u testuser -ppassexample </a:t>
             </a:r>
             <a:r>
-              <a:rPr lang="sr-Latn-RS" b="1" dirty="0">
+              <a:rPr lang="sr-Latn-RS" sz="1600" b="1" dirty="0">
                 <a:solidFill>
                   <a:schemeClr val="accent4">
                     <a:lumMod val="75000"/>
@@ -12953,7 +12967,7 @@
             </a:r>
           </a:p>
           <a:p>
-            <a:endParaRPr lang="sr-Latn-RS" b="1" dirty="0">
+            <a:endParaRPr lang="sr-Latn-RS" sz="1600" b="1" dirty="0">
               <a:solidFill>
                 <a:schemeClr val="accent4">
                   <a:lumMod val="75000"/>
@@ -12964,7 +12978,7 @@
           </a:p>
           <a:p>
             <a:r>
-              <a:rPr lang="sr-Latn-RS" b="1" dirty="0">
+              <a:rPr lang="sr-Latn-RS" sz="1600" b="1" dirty="0">
                 <a:solidFill>
                   <a:srgbClr val="000000"/>
                 </a:solidFill>
@@ -12975,7 +12989,7 @@
               <a:t>$mysql&gt; </a:t>
             </a:r>
             <a:r>
-              <a:rPr lang="sr-Latn-RS" b="1" dirty="0">
+              <a:rPr lang="sr-Latn-RS" sz="1600" b="1" dirty="0">
                 <a:solidFill>
                   <a:srgbClr val="0000FF"/>
                 </a:solidFill>
@@ -12986,7 +13000,7 @@
               <a:t>CREATE</a:t>
             </a:r>
             <a:r>
-              <a:rPr lang="sr-Latn-RS" b="1" dirty="0">
+              <a:rPr lang="sr-Latn-RS" sz="1600" b="1" dirty="0">
                 <a:solidFill>
                   <a:srgbClr val="000000"/>
                 </a:solidFill>
@@ -12997,7 +13011,7 @@
               <a:t> USER </a:t>
             </a:r>
             <a:r>
-              <a:rPr lang="sr-Latn-RS" b="1" dirty="0">
+              <a:rPr lang="sr-Latn-RS" sz="1600" b="1" dirty="0">
                 <a:solidFill>
                   <a:srgbClr val="C00000"/>
                 </a:solidFill>
@@ -13008,7 +13022,7 @@
               <a:t>'user</a:t>
             </a:r>
             <a:r>
-              <a:rPr lang="sr-Latn-RS" b="1" dirty="0">
+              <a:rPr lang="sr-Latn-RS" sz="1600" b="1" dirty="0">
                 <a:solidFill>
                   <a:srgbClr val="A31515"/>
                 </a:solidFill>
@@ -13019,7 +13033,7 @@
               <a:t>'</a:t>
             </a:r>
             <a:r>
-              <a:rPr lang="sr-Latn-RS" b="1" dirty="0">
+              <a:rPr lang="sr-Latn-RS" sz="1600" b="1" dirty="0">
                 <a:solidFill>
                   <a:srgbClr val="000000"/>
                 </a:solidFill>
@@ -13030,7 +13044,7 @@
               <a:t>@</a:t>
             </a:r>
             <a:r>
-              <a:rPr lang="sr-Latn-RS" b="1" dirty="0">
+              <a:rPr lang="sr-Latn-RS" sz="1600" b="1" dirty="0">
                 <a:solidFill>
                   <a:srgbClr val="C00000"/>
                 </a:solidFill>
@@ -13041,7 +13055,7 @@
               <a:t>'localhost'</a:t>
             </a:r>
             <a:r>
-              <a:rPr lang="sr-Latn-RS" b="1" dirty="0">
+              <a:rPr lang="sr-Latn-RS" sz="1600" b="1" dirty="0">
                 <a:solidFill>
                   <a:srgbClr val="000000"/>
                 </a:solidFill>
@@ -13052,7 +13066,7 @@
               <a:t> -&gt; IDENTIFIED BY </a:t>
             </a:r>
             <a:r>
-              <a:rPr lang="sr-Latn-RS" b="1" dirty="0">
+              <a:rPr lang="sr-Latn-RS" sz="1600" b="1" dirty="0">
                 <a:solidFill>
                   <a:srgbClr val="C00000"/>
                 </a:solidFill>
@@ -13063,7 +13077,7 @@
               <a:t>'mypass'</a:t>
             </a:r>
             <a:r>
-              <a:rPr lang="sr-Latn-RS" b="1" dirty="0">
+              <a:rPr lang="sr-Latn-RS" sz="1600" b="1" dirty="0">
                 <a:solidFill>
                   <a:srgbClr val="000000"/>
                 </a:solidFill>
@@ -13076,13 +13090,13 @@
           </a:p>
           <a:p>
             <a:r>
-              <a:rPr lang="sr-Latn-RS" b="1" dirty="0">
+              <a:rPr lang="sr-Latn-RS" sz="1600" b="1" dirty="0">
                 <a:latin typeface="Consolas" panose="020B0609020204030204" pitchFamily="49" charset="0"/>
               </a:rPr>
               <a:t>$mysql&gt; </a:t>
             </a:r>
             <a:r>
-              <a:rPr lang="sr-Latn-RS" b="1" dirty="0">
+              <a:rPr lang="sr-Latn-RS" sz="1600" b="1" dirty="0">
                 <a:solidFill>
                   <a:srgbClr val="0000FF"/>
                 </a:solidFill>
@@ -13091,13 +13105,13 @@
               <a:t>SET PASSWORD </a:t>
             </a:r>
             <a:r>
-              <a:rPr lang="sr-Latn-RS" b="1" dirty="0">
+              <a:rPr lang="sr-Latn-RS" sz="1600" b="1" dirty="0">
                 <a:latin typeface="Consolas" panose="020B0609020204030204" pitchFamily="49" charset="0"/>
               </a:rPr>
               <a:t>FOR -&gt; '</a:t>
             </a:r>
             <a:r>
-              <a:rPr lang="sr-Latn-RS" b="1" dirty="0">
+              <a:rPr lang="sr-Latn-RS" sz="1600" b="1" dirty="0">
                 <a:solidFill>
                   <a:srgbClr val="C00000"/>
                 </a:solidFill>
@@ -13106,13 +13120,13 @@
               <a:t>user</a:t>
             </a:r>
             <a:r>
-              <a:rPr lang="sr-Latn-RS" b="1" dirty="0">
+              <a:rPr lang="sr-Latn-RS" sz="1600" b="1" dirty="0">
                 <a:latin typeface="Consolas" panose="020B0609020204030204" pitchFamily="49" charset="0"/>
               </a:rPr>
               <a:t>'@</a:t>
             </a:r>
             <a:r>
-              <a:rPr lang="sr-Latn-RS" b="1" dirty="0">
+              <a:rPr lang="sr-Latn-RS" sz="1600" b="1" dirty="0">
                 <a:solidFill>
                   <a:srgbClr val="C00000"/>
                 </a:solidFill>
@@ -13121,13 +13135,13 @@
               <a:t>'localhost'</a:t>
             </a:r>
             <a:r>
-              <a:rPr lang="sr-Latn-RS" b="1" dirty="0">
+              <a:rPr lang="sr-Latn-RS" sz="1600" b="1" dirty="0">
                 <a:latin typeface="Consolas" panose="020B0609020204030204" pitchFamily="49" charset="0"/>
               </a:rPr>
               <a:t> = </a:t>
             </a:r>
             <a:r>
-              <a:rPr lang="sr-Latn-RS" b="1" dirty="0">
+              <a:rPr lang="sr-Latn-RS" sz="1600" b="1" dirty="0">
                 <a:solidFill>
                   <a:srgbClr val="0000FF"/>
                 </a:solidFill>
@@ -13136,13 +13150,13 @@
               <a:t>PASSWORD</a:t>
             </a:r>
             <a:r>
-              <a:rPr lang="sr-Latn-RS" b="1" dirty="0">
+              <a:rPr lang="sr-Latn-RS" sz="1600" b="1" dirty="0">
                 <a:latin typeface="Consolas" panose="020B0609020204030204" pitchFamily="49" charset="0"/>
               </a:rPr>
               <a:t>(</a:t>
             </a:r>
             <a:r>
-              <a:rPr lang="sr-Latn-RS" b="1" dirty="0">
+              <a:rPr lang="sr-Latn-RS" sz="1600" b="1" dirty="0">
                 <a:solidFill>
                   <a:srgbClr val="C00000"/>
                 </a:solidFill>
@@ -13151,12 +13165,12 @@
               <a:t>'mypass'</a:t>
             </a:r>
             <a:r>
-              <a:rPr lang="sr-Latn-RS" b="1" dirty="0">
+              <a:rPr lang="sr-Latn-RS" sz="1600" b="1" dirty="0">
                 <a:latin typeface="Consolas" panose="020B0609020204030204" pitchFamily="49" charset="0"/>
               </a:rPr>
               <a:t>);</a:t>
             </a:r>
-            <a:endParaRPr lang="sr-Latn-RS" dirty="0">
+            <a:endParaRPr lang="sr-Latn-RS" sz="1600" dirty="0">
               <a:latin typeface="Consolas" panose="020B0609020204030204" pitchFamily="49" charset="0"/>
             </a:endParaRPr>
           </a:p>
@@ -13226,7 +13240,7 @@
         <p:spPr>
           <a:xfrm>
             <a:off x="1377514" y="4928214"/>
-            <a:ext cx="8976157" cy="369332"/>
+            <a:ext cx="8976157" cy="338554"/>
           </a:xfrm>
           <a:prstGeom prst="rect">
             <a:avLst/>
@@ -13240,13 +13254,13 @@
           <a:lstStyle/>
           <a:p>
             <a:r>
-              <a:rPr lang="sr-Latn-RS" b="1" dirty="0">
+              <a:rPr lang="sr-Latn-RS" sz="1600" b="1" dirty="0">
                 <a:latin typeface="Consolas" panose="020B0609020204030204" pitchFamily="49" charset="0"/>
               </a:rPr>
               <a:t>$&gt; chmod </a:t>
             </a:r>
             <a:r>
-              <a:rPr lang="sr-Latn-RS" b="1" dirty="0">
+              <a:rPr lang="sr-Latn-RS" sz="1600" b="1" dirty="0">
                 <a:solidFill>
                   <a:srgbClr val="00B050"/>
                 </a:solidFill>
@@ -13255,12 +13269,12 @@
               <a:t>600</a:t>
             </a:r>
             <a:r>
-              <a:rPr lang="sr-Latn-RS" b="1" dirty="0">
+              <a:rPr lang="sr-Latn-RS" sz="1600" b="1" dirty="0">
                 <a:latin typeface="Consolas" panose="020B0609020204030204" pitchFamily="49" charset="0"/>
               </a:rPr>
               <a:t> .my.cnf</a:t>
             </a:r>
-            <a:endParaRPr lang="en-US" dirty="0">
+            <a:endParaRPr lang="en-US" sz="1600" dirty="0">
               <a:latin typeface="Consolas" panose="020B0609020204030204" pitchFamily="49" charset="0"/>
             </a:endParaRPr>
           </a:p>
@@ -14095,7 +14109,7 @@
         <p:spPr>
           <a:xfrm>
             <a:off x="6291943" y="3108216"/>
-            <a:ext cx="4836850" cy="1661993"/>
+            <a:ext cx="5260960" cy="1754326"/>
           </a:xfrm>
           <a:prstGeom prst="rect">
             <a:avLst/>
@@ -14124,13 +14138,13 @@
           </a:p>
           <a:p>
             <a:r>
-              <a:rPr lang="en-US" sz="1400" b="1" dirty="0">
+              <a:rPr lang="en-US" sz="1600" b="1" dirty="0">
                 <a:latin typeface="Consolas" panose="020B0609020204030204" pitchFamily="49" charset="0"/>
               </a:rPr>
               <a:t>SHOW GRANTS FOR </a:t>
             </a:r>
             <a:r>
-              <a:rPr lang="sr-Latn-RS" sz="1400" b="1" dirty="0">
+              <a:rPr lang="sr-Latn-RS" sz="1600" b="1" dirty="0">
                 <a:solidFill>
                   <a:srgbClr val="C00000"/>
                 </a:solidFill>
@@ -14139,13 +14153,13 @@
               <a:t>'joe'</a:t>
             </a:r>
             <a:r>
-              <a:rPr lang="sr-Latn-RS" sz="1400" b="1" dirty="0">
+              <a:rPr lang="sr-Latn-RS" sz="1600" b="1" dirty="0">
                 <a:latin typeface="Consolas" panose="020B0609020204030204" pitchFamily="49" charset="0"/>
               </a:rPr>
               <a:t>@</a:t>
             </a:r>
             <a:r>
-              <a:rPr lang="sr-Latn-RS" sz="1400" b="1" dirty="0">
+              <a:rPr lang="sr-Latn-RS" sz="1600" b="1" dirty="0">
                 <a:solidFill>
                   <a:srgbClr val="C00000"/>
                 </a:solidFill>
@@ -14154,7 +14168,7 @@
               <a:t>'office.example.com</a:t>
             </a:r>
             <a:r>
-              <a:rPr lang="en-US" sz="1400" b="1" dirty="0">
+              <a:rPr lang="en-US" sz="1600" b="1" dirty="0">
                 <a:solidFill>
                   <a:srgbClr val="C00000"/>
                 </a:solidFill>
@@ -14163,29 +14177,29 @@
               <a:t>’</a:t>
             </a:r>
             <a:r>
-              <a:rPr lang="en-US" sz="1400" b="1" dirty="0">
+              <a:rPr lang="en-US" sz="1600" b="1" dirty="0">
                 <a:latin typeface="Consolas" panose="020B0609020204030204" pitchFamily="49" charset="0"/>
               </a:rPr>
               <a:t>;</a:t>
             </a:r>
-            <a:endParaRPr lang="sr-Latn-RS" sz="1400" b="1" dirty="0">
+            <a:endParaRPr lang="sr-Latn-RS" sz="1600" b="1" dirty="0">
               <a:latin typeface="Consolas" panose="020B0609020204030204" pitchFamily="49" charset="0"/>
             </a:endParaRPr>
           </a:p>
           <a:p>
-            <a:endParaRPr lang="sr-Latn-RS" sz="1400" b="1" dirty="0">
+            <a:endParaRPr lang="sr-Latn-RS" sz="1600" b="1" dirty="0">
               <a:latin typeface="Consolas" panose="020B0609020204030204" pitchFamily="49" charset="0"/>
             </a:endParaRPr>
           </a:p>
           <a:p>
             <a:r>
-              <a:rPr lang="en-US" sz="1400" b="1" dirty="0">
+              <a:rPr lang="en-US" sz="1600" b="1" dirty="0">
                 <a:latin typeface="Consolas" panose="020B0609020204030204" pitchFamily="49" charset="0"/>
               </a:rPr>
               <a:t>SHOW GRANTS FOR </a:t>
             </a:r>
             <a:r>
-              <a:rPr lang="sr-Latn-RS" sz="1400" b="1" dirty="0">
+              <a:rPr lang="sr-Latn-RS" sz="1600" b="1" dirty="0">
                 <a:solidFill>
                   <a:srgbClr val="C00000"/>
                 </a:solidFill>
@@ -14194,13 +14208,13 @@
               <a:t>'joe’</a:t>
             </a:r>
             <a:r>
-              <a:rPr lang="sr-Latn-RS" sz="1400" b="1" dirty="0">
+              <a:rPr lang="sr-Latn-RS" sz="1600" b="1" dirty="0">
                 <a:latin typeface="Consolas" panose="020B0609020204030204" pitchFamily="49" charset="0"/>
               </a:rPr>
               <a:t>@</a:t>
             </a:r>
             <a:r>
-              <a:rPr lang="sr-Latn-RS" sz="1400" b="1" dirty="0">
+              <a:rPr lang="sr-Latn-RS" sz="1600" b="1" dirty="0">
                 <a:solidFill>
                   <a:srgbClr val="C00000"/>
                 </a:solidFill>
@@ -14209,7 +14223,7 @@
               <a:t>’home.example.com</a:t>
             </a:r>
             <a:r>
-              <a:rPr lang="en-US" sz="1400" b="1" dirty="0">
+              <a:rPr lang="en-US" sz="1600" b="1" dirty="0">
                 <a:solidFill>
                   <a:srgbClr val="C00000"/>
                 </a:solidFill>
@@ -14218,12 +14232,12 @@
               <a:t>'</a:t>
             </a:r>
             <a:r>
-              <a:rPr lang="en-US" sz="1400" b="1" dirty="0">
+              <a:rPr lang="en-US" sz="1600" b="1" dirty="0">
                 <a:latin typeface="Consolas" panose="020B0609020204030204" pitchFamily="49" charset="0"/>
               </a:rPr>
               <a:t>;</a:t>
             </a:r>
-            <a:endParaRPr lang="en-US" sz="1400" dirty="0">
+            <a:endParaRPr lang="en-US" sz="1600" dirty="0">
               <a:latin typeface="Consolas" panose="020B0609020204030204" pitchFamily="49" charset="0"/>
             </a:endParaRPr>
           </a:p>
